--- a/training/学分区块链(技术委员会).pptx
+++ b/training/学分区块链(技术委员会).pptx
@@ -158,7 +158,7 @@
   </p:defaultTextStyle>
   <p:extLst>
     <p:ext uri="{EFAFB233-063F-42B5-8137-9DF3F51BA10A}">
-      <p15:sldGuideLst xmlns:p15="http://schemas.microsoft.com/office/powerpoint/2012/main" xmlns="">
+      <p15:sldGuideLst xmlns="" xmlns:p15="http://schemas.microsoft.com/office/powerpoint/2012/main">
         <p15:guide id="1" orient="horz" pos="2170" userDrawn="1">
           <p15:clr>
             <a:srgbClr val="A4A3A4"/>
@@ -5013,14 +5013,14 @@
     <dgm:cxn modelId="{A8EFA6A5-AE55-434E-9B56-68C5B2E92133}" srcId="{F457A324-F38F-439D-A42F-23D2432D903E}" destId="{04396320-15A0-4D5F-ACAF-C0DAEC24B137}" srcOrd="1" destOrd="0" parTransId="{F0A2999B-3BE9-4F28-90A9-FB99EB8EA57C}" sibTransId="{9193DC3F-75FF-4243-8146-C06C5C891FE2}"/>
     <dgm:cxn modelId="{DC6F862D-827C-4339-853B-8259A7120E6A}" type="presOf" srcId="{6AA13E1B-7B79-4872-BD53-10B67E8A1C81}" destId="{C6F6A86B-5520-4507-8B11-D0096916FB4B}" srcOrd="0" destOrd="0" presId="urn:microsoft.com/office/officeart/2005/8/layout/radial6"/>
     <dgm:cxn modelId="{B04CBC48-F751-4DD9-85B0-CBC6367F5DDE}" srcId="{F457A324-F38F-439D-A42F-23D2432D903E}" destId="{FD97A8D8-B9DF-4EB2-9F53-BD97EC88B480}" srcOrd="3" destOrd="0" parTransId="{CC73ED13-B232-42A5-95F6-852D874028C1}" sibTransId="{6AA13E1B-7B79-4872-BD53-10B67E8A1C81}"/>
-    <dgm:cxn modelId="{F6DC9CA5-3047-4925-A713-14BE73521BD6}" type="presOf" srcId="{FD97A8D8-B9DF-4EB2-9F53-BD97EC88B480}" destId="{671AE502-E12D-43A1-AED3-B76646609BE3}" srcOrd="0" destOrd="0" presId="urn:microsoft.com/office/officeart/2005/8/layout/radial6"/>
     <dgm:cxn modelId="{A67541E4-0370-47E7-BEDD-E92B841F0737}" srcId="{F457A324-F38F-439D-A42F-23D2432D903E}" destId="{625025BB-1A5A-4615-87BE-375154C495A0}" srcOrd="0" destOrd="0" parTransId="{D18AD188-81AD-4841-BB29-BFBA9718D46E}" sibTransId="{1936FFD8-5F0A-4406-A1AA-E3AF4A6DCF93}"/>
     <dgm:cxn modelId="{80FA2F82-1028-4993-BBB9-735DA9E20691}" type="presOf" srcId="{D87ED5E0-2D9E-487C-A81E-E2D7A6147600}" destId="{70B651D3-1E7B-4EE6-9FBD-C6D8397E4020}" srcOrd="0" destOrd="0" presId="urn:microsoft.com/office/officeart/2005/8/layout/radial6"/>
+    <dgm:cxn modelId="{F6DC9CA5-3047-4925-A713-14BE73521BD6}" type="presOf" srcId="{FD97A8D8-B9DF-4EB2-9F53-BD97EC88B480}" destId="{671AE502-E12D-43A1-AED3-B76646609BE3}" srcOrd="0" destOrd="0" presId="urn:microsoft.com/office/officeart/2005/8/layout/radial6"/>
     <dgm:cxn modelId="{2F3DA509-ED77-43D5-A976-6C2934CD36EA}" type="presOf" srcId="{625025BB-1A5A-4615-87BE-375154C495A0}" destId="{CBA66B61-FFD9-4D59-9FC8-846F6361F67D}" srcOrd="0" destOrd="0" presId="urn:microsoft.com/office/officeart/2005/8/layout/radial6"/>
+    <dgm:cxn modelId="{AD034BD3-B460-4F40-B7C4-6BCEFFC9B2C0}" type="presOf" srcId="{0509E91C-6348-4ED0-A38A-8C378B92BD6D}" destId="{07C7A803-92F9-4382-ACF8-A96B2D51F76D}" srcOrd="0" destOrd="0" presId="urn:microsoft.com/office/officeart/2005/8/layout/radial6"/>
     <dgm:cxn modelId="{2FBF7859-CAB3-4C69-9E30-016A2496B817}" type="presOf" srcId="{1936FFD8-5F0A-4406-A1AA-E3AF4A6DCF93}" destId="{28B59068-C098-4291-9168-CFE5F1EB0BD0}" srcOrd="0" destOrd="0" presId="urn:microsoft.com/office/officeart/2005/8/layout/radial6"/>
-    <dgm:cxn modelId="{AD034BD3-B460-4F40-B7C4-6BCEFFC9B2C0}" type="presOf" srcId="{0509E91C-6348-4ED0-A38A-8C378B92BD6D}" destId="{07C7A803-92F9-4382-ACF8-A96B2D51F76D}" srcOrd="0" destOrd="0" presId="urn:microsoft.com/office/officeart/2005/8/layout/radial6"/>
+    <dgm:cxn modelId="{DDE73BAB-C80C-4C21-8414-3BA77ECEEAB3}" srcId="{F457A324-F38F-439D-A42F-23D2432D903E}" destId="{3A58B2A3-9ADD-44C5-99A5-7D14150C7096}" srcOrd="4" destOrd="0" parTransId="{C9D11E3D-237B-44BD-9967-D48DB61EE0D6}" sibTransId="{D87ED5E0-2D9E-487C-A81E-E2D7A6147600}"/>
     <dgm:cxn modelId="{3C90CA77-CE05-45DD-9642-C10A458FF1C2}" type="presOf" srcId="{BB353705-2804-46B0-945A-3EA6D24DB953}" destId="{27C38070-6907-4A43-9806-17319EA55311}" srcOrd="0" destOrd="0" presId="urn:microsoft.com/office/officeart/2005/8/layout/radial6"/>
-    <dgm:cxn modelId="{DDE73BAB-C80C-4C21-8414-3BA77ECEEAB3}" srcId="{F457A324-F38F-439D-A42F-23D2432D903E}" destId="{3A58B2A3-9ADD-44C5-99A5-7D14150C7096}" srcOrd="4" destOrd="0" parTransId="{C9D11E3D-237B-44BD-9967-D48DB61EE0D6}" sibTransId="{D87ED5E0-2D9E-487C-A81E-E2D7A6147600}"/>
     <dgm:cxn modelId="{595D7E3F-72A5-44E3-85DE-45D83E8AF76F}" type="presOf" srcId="{F457A324-F38F-439D-A42F-23D2432D903E}" destId="{702B8CC4-9A84-4368-88A8-0E5E405FA6FE}" srcOrd="0" destOrd="0" presId="urn:microsoft.com/office/officeart/2005/8/layout/radial6"/>
     <dgm:cxn modelId="{A37E859A-56CE-4354-A79A-618B287F5957}" srcId="{F457A324-F38F-439D-A42F-23D2432D903E}" destId="{0509E91C-6348-4ED0-A38A-8C378B92BD6D}" srcOrd="2" destOrd="0" parTransId="{DEF0E402-092C-47D0-8912-DA487983BEF2}" sibTransId="{BB353705-2804-46B0-945A-3EA6D24DB953}"/>
     <dgm:cxn modelId="{6AAC133F-AF8B-4A10-8AF6-FC6C6813C73F}" type="presOf" srcId="{3A58B2A3-9ADD-44C5-99A5-7D14150C7096}" destId="{A3532FD5-3929-49B5-8D79-0D7C50700DBA}" srcOrd="0" destOrd="0" presId="urn:microsoft.com/office/officeart/2005/8/layout/radial6"/>
@@ -5798,8 +5798,8 @@
     <dgm:cxn modelId="{5E8377B5-B04A-4E67-A527-51CF793CB918}" type="presOf" srcId="{7435A510-A477-4886-AFEB-EBC224DA7B5A}" destId="{C6622CD8-E39E-46F5-B2C2-F021104CF138}" srcOrd="0" destOrd="0" presId="urn:microsoft.com/office/officeart/2005/8/layout/vList5"/>
     <dgm:cxn modelId="{859764A1-788F-41B3-AE78-07DD61479FF2}" srcId="{16CBC629-BBFD-4F9A-B882-035B39991D1B}" destId="{EFD308F6-D1B3-4C0C-9855-44828DA5C44A}" srcOrd="0" destOrd="0" parTransId="{9C4B7398-B29E-48EE-8BCF-6B4E20EE7E4E}" sibTransId="{01A319AE-E22F-4DF8-A5DF-8756B651348A}"/>
     <dgm:cxn modelId="{E2BB25A4-FFFE-4254-ACCC-B54315288FBE}" srcId="{BC445C4B-E5F4-4993-8ADA-39848656E562}" destId="{6FFFB86E-0523-47A7-ACAD-3853A67EE633}" srcOrd="0" destOrd="0" parTransId="{8508FE9E-923D-49E8-AFAD-63AD104C054E}" sibTransId="{FBED9A52-8C4B-4D10-92A3-43EB5BF5C82C}"/>
+    <dgm:cxn modelId="{555CD8F8-7CE1-4F69-8D51-62D277736CC2}" srcId="{16CBC629-BBFD-4F9A-B882-035B39991D1B}" destId="{B0445115-083F-40AC-9D07-C334FCDF7275}" srcOrd="3" destOrd="0" parTransId="{EFC304DF-701B-4317-BB71-6D5532DCE128}" sibTransId="{462E4723-A243-4781-BF62-1321FF90288B}"/>
     <dgm:cxn modelId="{4BC595D8-9AAB-4151-9F52-028F01909638}" type="presOf" srcId="{F52A7659-499D-4F69-8CD0-C9D46B39F12F}" destId="{B9C88E13-2AA0-4BD7-9E72-0B61CF230BB8}" srcOrd="0" destOrd="0" presId="urn:microsoft.com/office/officeart/2005/8/layout/vList5"/>
-    <dgm:cxn modelId="{555CD8F8-7CE1-4F69-8D51-62D277736CC2}" srcId="{16CBC629-BBFD-4F9A-B882-035B39991D1B}" destId="{B0445115-083F-40AC-9D07-C334FCDF7275}" srcOrd="3" destOrd="0" parTransId="{EFC304DF-701B-4317-BB71-6D5532DCE128}" sibTransId="{462E4723-A243-4781-BF62-1321FF90288B}"/>
     <dgm:cxn modelId="{E620764F-BAF2-4D32-837F-48C9B0EF9293}" type="presOf" srcId="{0A04856D-7682-4BDA-8210-3DB9D6411272}" destId="{02D7DC00-DB3D-45CB-8D73-DF95CFA49EBB}" srcOrd="0" destOrd="0" presId="urn:microsoft.com/office/officeart/2005/8/layout/vList5"/>
     <dgm:cxn modelId="{2B6FD405-4970-43A3-8C65-C575D506949E}" srcId="{B0445115-083F-40AC-9D07-C334FCDF7275}" destId="{F52A7659-499D-4F69-8CD0-C9D46B39F12F}" srcOrd="0" destOrd="0" parTransId="{ACA0A9CF-50E9-410C-8401-BA298DD7304E}" sibTransId="{7EA9F38E-0463-4586-A1FD-BED73596FF22}"/>
     <dgm:cxn modelId="{0CB0BA86-1DA1-4529-AF4B-6A1CFBCFDAFC}" srcId="{16CBC629-BBFD-4F9A-B882-035B39991D1B}" destId="{BC445C4B-E5F4-4993-8ADA-39848656E562}" srcOrd="1" destOrd="0" parTransId="{2FB19AC5-24E1-4EB4-AE51-B7DD12573CA7}" sibTransId="{37303ECB-36E1-44D2-84E6-61F1B8D54B13}"/>
@@ -6924,27 +6924,27 @@
     </dgm:pt>
   </dgm:ptLst>
   <dgm:cxnLst>
+    <dgm:cxn modelId="{51CE25FA-AAF0-4BC0-BC22-B8DCE6857139}" srcId="{5B46800D-2A49-4197-BB54-8143333F1665}" destId="{137B80D2-0B45-44B8-9400-60089584FC38}" srcOrd="3" destOrd="0" parTransId="{75240A31-689E-4B0D-A692-7F72E57E7301}" sibTransId="{580C9B48-EB2C-49E6-84C4-5AF0945AE65B}"/>
     <dgm:cxn modelId="{C2E6E1B7-C9D9-4A56-BD1E-BA23FE5A7528}" type="presOf" srcId="{F400572D-DDEB-4657-990F-DE1D7C376756}" destId="{6C11B2B4-E75C-468B-B03F-674EEE4B9268}" srcOrd="0" destOrd="0" presId="urn:microsoft.com/office/officeart/2005/8/layout/vList5"/>
+    <dgm:cxn modelId="{5A08BCB4-A431-4626-8B1B-E5B705E803E0}" type="presOf" srcId="{D43CC222-986F-404C-832C-6CEBDBF445F4}" destId="{7DD1EE70-949C-4E5C-8804-46EC4A88B3CC}" srcOrd="0" destOrd="0" presId="urn:microsoft.com/office/officeart/2005/8/layout/vList5"/>
+    <dgm:cxn modelId="{B013C01B-7036-4B17-9EEC-B36F074CADDA}" srcId="{04825E90-98B4-463F-84AC-7F6BB8520199}" destId="{F0C3EB33-2730-4569-9B78-682D8F25FC07}" srcOrd="0" destOrd="0" parTransId="{BFB556C7-7A41-4585-AE84-72DA94910AD9}" sibTransId="{FB45879F-C6B4-46A0-A943-61BE018CAB07}"/>
     <dgm:cxn modelId="{9B5769E2-7FCF-407A-82F7-FCCFBCB4D985}" type="presOf" srcId="{137B80D2-0B45-44B8-9400-60089584FC38}" destId="{E596A063-CB37-4687-896A-826322906981}" srcOrd="0" destOrd="0" presId="urn:microsoft.com/office/officeart/2005/8/layout/vList5"/>
+    <dgm:cxn modelId="{FBC7E6FB-8010-44FF-9F17-EEB66280212C}" srcId="{5B46800D-2A49-4197-BB54-8143333F1665}" destId="{07A8B48A-19CA-4E4E-A6B9-461B544A66B5}" srcOrd="2" destOrd="0" parTransId="{543B1C75-4E49-4C2D-834A-76E19F03249C}" sibTransId="{6262D59C-84D3-4A6A-BCF7-F9DB1BA45DF3}"/>
+    <dgm:cxn modelId="{53EF5C4B-A240-4CD1-A969-38D50EF1A30E}" type="presOf" srcId="{77228074-38C6-4D34-8BF2-2E94A700FDBF}" destId="{0E66BAE8-0B93-4AE5-A234-09D92AB5AADF}" srcOrd="0" destOrd="0" presId="urn:microsoft.com/office/officeart/2005/8/layout/vList5"/>
+    <dgm:cxn modelId="{A901098B-3F84-4869-950E-F7E97023618C}" srcId="{137B80D2-0B45-44B8-9400-60089584FC38}" destId="{2D879610-E2AD-465B-91BD-97C30266F420}" srcOrd="0" destOrd="0" parTransId="{D3DB6B9F-9EBD-4883-BFCE-7B15909CDA87}" sibTransId="{F1740DAF-B356-412A-80CB-EBA107806A82}"/>
     <dgm:cxn modelId="{67DB2824-0B92-4FF3-B580-AFBAB96CFED4}" type="presOf" srcId="{F0C3EB33-2730-4569-9B78-682D8F25FC07}" destId="{28DFE5A4-6D0F-46A8-9881-A0D83EBBCD90}" srcOrd="0" destOrd="0" presId="urn:microsoft.com/office/officeart/2005/8/layout/vList5"/>
+    <dgm:cxn modelId="{6B886D93-02FB-42C5-AD26-7CD911173D6D}" srcId="{5B46800D-2A49-4197-BB54-8143333F1665}" destId="{F400572D-DDEB-4657-990F-DE1D7C376756}" srcOrd="1" destOrd="0" parTransId="{30470BC1-9404-4C37-9F64-0C1D80C89C55}" sibTransId="{F2A57477-D87D-4C0F-866F-0096EE7FC0D3}"/>
+    <dgm:cxn modelId="{E694C9D5-BC49-4A2A-8807-2EB9D13B5E94}" srcId="{316CE5D2-D07D-4A4C-A54F-4DF3DB57FB90}" destId="{77228074-38C6-4D34-8BF2-2E94A700FDBF}" srcOrd="0" destOrd="0" parTransId="{D9D29F73-E4EA-4FEE-8090-42F549261E23}" sibTransId="{074E8FF2-581F-4930-BDED-E34F7D21740B}"/>
+    <dgm:cxn modelId="{494F7E17-68D4-45B1-AEBC-472D2DF3CC74}" srcId="{F400572D-DDEB-4657-990F-DE1D7C376756}" destId="{D43CC222-986F-404C-832C-6CEBDBF445F4}" srcOrd="0" destOrd="0" parTransId="{12DD69E9-35BB-44D1-870F-F7779BBF7E98}" sibTransId="{58F16FD5-2B4B-49E0-A8EE-415B4F5A9187}"/>
     <dgm:cxn modelId="{F59C1BDC-9750-4112-A08F-6524BC8B0E7B}" type="presOf" srcId="{2D879610-E2AD-465B-91BD-97C30266F420}" destId="{063E2497-7FFB-4B17-A66A-CB813B01556C}" srcOrd="0" destOrd="0" presId="urn:microsoft.com/office/officeart/2005/8/layout/vList5"/>
-    <dgm:cxn modelId="{6B886D93-02FB-42C5-AD26-7CD911173D6D}" srcId="{5B46800D-2A49-4197-BB54-8143333F1665}" destId="{F400572D-DDEB-4657-990F-DE1D7C376756}" srcOrd="1" destOrd="0" parTransId="{30470BC1-9404-4C37-9F64-0C1D80C89C55}" sibTransId="{F2A57477-D87D-4C0F-866F-0096EE7FC0D3}"/>
-    <dgm:cxn modelId="{B013C01B-7036-4B17-9EEC-B36F074CADDA}" srcId="{04825E90-98B4-463F-84AC-7F6BB8520199}" destId="{F0C3EB33-2730-4569-9B78-682D8F25FC07}" srcOrd="0" destOrd="0" parTransId="{BFB556C7-7A41-4585-AE84-72DA94910AD9}" sibTransId="{FB45879F-C6B4-46A0-A943-61BE018CAB07}"/>
-    <dgm:cxn modelId="{5A08BCB4-A431-4626-8B1B-E5B705E803E0}" type="presOf" srcId="{D43CC222-986F-404C-832C-6CEBDBF445F4}" destId="{7DD1EE70-949C-4E5C-8804-46EC4A88B3CC}" srcOrd="0" destOrd="0" presId="urn:microsoft.com/office/officeart/2005/8/layout/vList5"/>
     <dgm:cxn modelId="{BE867EDB-237E-4CD5-BC5D-0C27D2B919C9}" type="presOf" srcId="{07A8B48A-19CA-4E4E-A6B9-461B544A66B5}" destId="{786D762B-02CB-47B5-AF5D-B33214FD1F85}" srcOrd="0" destOrd="0" presId="urn:microsoft.com/office/officeart/2005/8/layout/vList5"/>
-    <dgm:cxn modelId="{FBC7E6FB-8010-44FF-9F17-EEB66280212C}" srcId="{5B46800D-2A49-4197-BB54-8143333F1665}" destId="{07A8B48A-19CA-4E4E-A6B9-461B544A66B5}" srcOrd="2" destOrd="0" parTransId="{543B1C75-4E49-4C2D-834A-76E19F03249C}" sibTransId="{6262D59C-84D3-4A6A-BCF7-F9DB1BA45DF3}"/>
+    <dgm:cxn modelId="{3FB4992D-F375-42B2-95A8-98CBF764E142}" type="presOf" srcId="{5B46800D-2A49-4197-BB54-8143333F1665}" destId="{2587F8EF-84C0-4B4F-A9E1-56C591223198}" srcOrd="0" destOrd="0" presId="urn:microsoft.com/office/officeart/2005/8/layout/vList5"/>
+    <dgm:cxn modelId="{D550B4D2-6487-43E7-8527-12AA134ECC0B}" srcId="{5B46800D-2A49-4197-BB54-8143333F1665}" destId="{316CE5D2-D07D-4A4C-A54F-4DF3DB57FB90}" srcOrd="0" destOrd="0" parTransId="{B7E86086-4C68-4D28-9E1E-F6BD83B41028}" sibTransId="{2D5062E5-BDBD-48B4-95EE-A78A4B8CE357}"/>
     <dgm:cxn modelId="{1800B3A5-3F76-4F43-B087-E5796543C0B9}" srcId="{07A8B48A-19CA-4E4E-A6B9-461B544A66B5}" destId="{BECA5A5C-7E50-4406-BD42-ECBA2506E3D8}" srcOrd="0" destOrd="0" parTransId="{23A33843-7CFC-4AC5-970C-BD51F99F31A0}" sibTransId="{364E2EAB-E8D4-4BBC-9FC2-ACA0A74F3924}"/>
+    <dgm:cxn modelId="{B9629A8F-4289-430B-AC15-4AEDC77C602E}" srcId="{5B46800D-2A49-4197-BB54-8143333F1665}" destId="{04825E90-98B4-463F-84AC-7F6BB8520199}" srcOrd="4" destOrd="0" parTransId="{0C95178C-8E10-4C33-8F92-FDEB329B4B70}" sibTransId="{ABE3BF10-F3CC-4871-A8C5-C18A81D24C53}"/>
+    <dgm:cxn modelId="{F30F5DA2-006A-4405-8528-78A183F2F745}" type="presOf" srcId="{316CE5D2-D07D-4A4C-A54F-4DF3DB57FB90}" destId="{D00ADED7-5469-4FA8-810A-988D67CB494B}" srcOrd="0" destOrd="0" presId="urn:microsoft.com/office/officeart/2005/8/layout/vList5"/>
     <dgm:cxn modelId="{65DF1CF5-FB2C-4D3E-A7B0-C4B98F009557}" type="presOf" srcId="{04825E90-98B4-463F-84AC-7F6BB8520199}" destId="{55C7DC11-C2FA-4995-8051-43E496D5A701}" srcOrd="0" destOrd="0" presId="urn:microsoft.com/office/officeart/2005/8/layout/vList5"/>
-    <dgm:cxn modelId="{D550B4D2-6487-43E7-8527-12AA134ECC0B}" srcId="{5B46800D-2A49-4197-BB54-8143333F1665}" destId="{316CE5D2-D07D-4A4C-A54F-4DF3DB57FB90}" srcOrd="0" destOrd="0" parTransId="{B7E86086-4C68-4D28-9E1E-F6BD83B41028}" sibTransId="{2D5062E5-BDBD-48B4-95EE-A78A4B8CE357}"/>
     <dgm:cxn modelId="{7D48A74C-BA52-4FBA-A988-F4A33157D263}" type="presOf" srcId="{BECA5A5C-7E50-4406-BD42-ECBA2506E3D8}" destId="{A2B074C3-46B2-423F-8E4C-FFCB8C316632}" srcOrd="0" destOrd="0" presId="urn:microsoft.com/office/officeart/2005/8/layout/vList5"/>
-    <dgm:cxn modelId="{3FB4992D-F375-42B2-95A8-98CBF764E142}" type="presOf" srcId="{5B46800D-2A49-4197-BB54-8143333F1665}" destId="{2587F8EF-84C0-4B4F-A9E1-56C591223198}" srcOrd="0" destOrd="0" presId="urn:microsoft.com/office/officeart/2005/8/layout/vList5"/>
-    <dgm:cxn modelId="{A901098B-3F84-4869-950E-F7E97023618C}" srcId="{137B80D2-0B45-44B8-9400-60089584FC38}" destId="{2D879610-E2AD-465B-91BD-97C30266F420}" srcOrd="0" destOrd="0" parTransId="{D3DB6B9F-9EBD-4883-BFCE-7B15909CDA87}" sibTransId="{F1740DAF-B356-412A-80CB-EBA107806A82}"/>
-    <dgm:cxn modelId="{B9629A8F-4289-430B-AC15-4AEDC77C602E}" srcId="{5B46800D-2A49-4197-BB54-8143333F1665}" destId="{04825E90-98B4-463F-84AC-7F6BB8520199}" srcOrd="4" destOrd="0" parTransId="{0C95178C-8E10-4C33-8F92-FDEB329B4B70}" sibTransId="{ABE3BF10-F3CC-4871-A8C5-C18A81D24C53}"/>
-    <dgm:cxn modelId="{494F7E17-68D4-45B1-AEBC-472D2DF3CC74}" srcId="{F400572D-DDEB-4657-990F-DE1D7C376756}" destId="{D43CC222-986F-404C-832C-6CEBDBF445F4}" srcOrd="0" destOrd="0" parTransId="{12DD69E9-35BB-44D1-870F-F7779BBF7E98}" sibTransId="{58F16FD5-2B4B-49E0-A8EE-415B4F5A9187}"/>
-    <dgm:cxn modelId="{53EF5C4B-A240-4CD1-A969-38D50EF1A30E}" type="presOf" srcId="{77228074-38C6-4D34-8BF2-2E94A700FDBF}" destId="{0E66BAE8-0B93-4AE5-A234-09D92AB5AADF}" srcOrd="0" destOrd="0" presId="urn:microsoft.com/office/officeart/2005/8/layout/vList5"/>
-    <dgm:cxn modelId="{F30F5DA2-006A-4405-8528-78A183F2F745}" type="presOf" srcId="{316CE5D2-D07D-4A4C-A54F-4DF3DB57FB90}" destId="{D00ADED7-5469-4FA8-810A-988D67CB494B}" srcOrd="0" destOrd="0" presId="urn:microsoft.com/office/officeart/2005/8/layout/vList5"/>
-    <dgm:cxn modelId="{51CE25FA-AAF0-4BC0-BC22-B8DCE6857139}" srcId="{5B46800D-2A49-4197-BB54-8143333F1665}" destId="{137B80D2-0B45-44B8-9400-60089584FC38}" srcOrd="3" destOrd="0" parTransId="{75240A31-689E-4B0D-A692-7F72E57E7301}" sibTransId="{580C9B48-EB2C-49E6-84C4-5AF0945AE65B}"/>
-    <dgm:cxn modelId="{E694C9D5-BC49-4A2A-8807-2EB9D13B5E94}" srcId="{316CE5D2-D07D-4A4C-A54F-4DF3DB57FB90}" destId="{77228074-38C6-4D34-8BF2-2E94A700FDBF}" srcOrd="0" destOrd="0" parTransId="{D9D29F73-E4EA-4FEE-8090-42F549261E23}" sibTransId="{074E8FF2-581F-4930-BDED-E34F7D21740B}"/>
     <dgm:cxn modelId="{6D7B183D-05FD-4779-B00A-C9A03DD83344}" type="presParOf" srcId="{2587F8EF-84C0-4B4F-A9E1-56C591223198}" destId="{84D2F36A-7443-4C22-8C9C-2E464DC135B0}" srcOrd="0" destOrd="0" presId="urn:microsoft.com/office/officeart/2005/8/layout/vList5"/>
     <dgm:cxn modelId="{56A5E69A-C8A0-4705-914B-819061C53D05}" type="presParOf" srcId="{84D2F36A-7443-4C22-8C9C-2E464DC135B0}" destId="{D00ADED7-5469-4FA8-810A-988D67CB494B}" srcOrd="0" destOrd="0" presId="urn:microsoft.com/office/officeart/2005/8/layout/vList5"/>
     <dgm:cxn modelId="{982CD499-4536-4CE2-A316-7AA41B9AC2C8}" type="presParOf" srcId="{84D2F36A-7443-4C22-8C9C-2E464DC135B0}" destId="{0E66BAE8-0B93-4AE5-A234-09D92AB5AADF}" srcOrd="1" destOrd="0" presId="urn:microsoft.com/office/officeart/2005/8/layout/vList5"/>
@@ -17051,7 +17051,7 @@
               <a:pPr>
                 <a:defRPr/>
               </a:pPr>
-              <a:t>2017/11/13</a:t>
+              <a:t>2018/3/19</a:t>
             </a:fld>
             <a:endParaRPr lang="zh-CN" altLang="en-US" sz="1200"/>
           </a:p>
@@ -17800,7 +17800,7 @@
                 </a:solidFill>
               </a:rPr>
               <a:pPr eaLnBrk="1" hangingPunct="1"/>
-              <a:t>2017/11/13</a:t>
+              <a:t>2018/3/19</a:t>
             </a:fld>
             <a:endParaRPr lang="zh-CN" altLang="en-US">
               <a:solidFill>
@@ -18047,7 +18047,7 @@
               <a:pPr>
                 <a:defRPr/>
               </a:pPr>
-              <a:t>2017/11/13</a:t>
+              <a:t>2018/3/19</a:t>
             </a:fld>
             <a:endParaRPr lang="zh-CN" altLang="en-US" sz="1200"/>
           </a:p>
@@ -18317,7 +18317,7 @@
                 </a:solidFill>
               </a:rPr>
               <a:pPr eaLnBrk="1" hangingPunct="1"/>
-              <a:t>2017/11/13</a:t>
+              <a:t>2018/3/19</a:t>
             </a:fld>
             <a:endParaRPr lang="zh-CN" altLang="en-US">
               <a:solidFill>
@@ -34469,7 +34469,7 @@
               <a:t>年</a:t>
             </a:r>
             <a:r>
-              <a:rPr lang="en-US" altLang="zh-CN" sz="1200" dirty="0">
+              <a:rPr lang="en-US" altLang="zh-CN" sz="1200" dirty="0" smtClean="0">
                 <a:solidFill>
                   <a:srgbClr val="FFFFFF"/>
                 </a:solidFill>
@@ -34477,10 +34477,10 @@
                 <a:ea typeface="Microsoft YaHei"/>
                 <a:cs typeface="Microsoft YaHei"/>
               </a:rPr>
-              <a:t>11</a:t>
-            </a:r>
-            <a:r>
-              <a:rPr lang="zh-CN" altLang="is-IS" sz="1200" dirty="0">
+              <a:t>10</a:t>
+            </a:r>
+            <a:r>
+              <a:rPr lang="zh-CN" altLang="is-IS" sz="1200" dirty="0" smtClean="0">
                 <a:solidFill>
                   <a:srgbClr val="FFFFFF"/>
                 </a:solidFill>
@@ -34491,7 +34491,7 @@
               <a:t>月</a:t>
             </a:r>
             <a:r>
-              <a:rPr lang="en-US" altLang="zh-CN" sz="1200" dirty="0">
+              <a:rPr lang="en-US" altLang="zh-CN" sz="1200" dirty="0" smtClean="0">
                 <a:solidFill>
                   <a:srgbClr val="FFFFFF"/>
                 </a:solidFill>
@@ -34499,10 +34499,10 @@
                 <a:ea typeface="Microsoft YaHei"/>
                 <a:cs typeface="Microsoft YaHei"/>
               </a:rPr>
-              <a:t>13</a:t>
-            </a:r>
-            <a:r>
-              <a:rPr lang="zh-CN" altLang="en-US" sz="1200" dirty="0">
+              <a:t>26</a:t>
+            </a:r>
+            <a:r>
+              <a:rPr lang="zh-CN" altLang="en-US" sz="1200" dirty="0" smtClean="0">
                 <a:solidFill>
                   <a:srgbClr val="FFFFFF"/>
                 </a:solidFill>
@@ -34513,7 +34513,7 @@
               <a:t>日</a:t>
             </a:r>
             <a:r>
-              <a:rPr lang="en-US" altLang="zh-CN" sz="1200" dirty="0">
+              <a:rPr lang="en-US" altLang="zh-CN" sz="1200" dirty="0" smtClean="0">
                 <a:solidFill>
                   <a:srgbClr val="FFFFFF"/>
                 </a:solidFill>
@@ -34630,7 +34630,7 @@
           <p:cNvPr id="3" name="图示 2">
             <a:extLst>
               <a:ext uri="{FF2B5EF4-FFF2-40B4-BE49-F238E27FC236}">
-                <a16:creationId xmlns:a16="http://schemas.microsoft.com/office/drawing/2014/main" xmlns="" id="{B05E31AC-F6DB-4CFD-BD68-1E646EDCD7D3}"/>
+                <a16:creationId xmlns="" xmlns:a16="http://schemas.microsoft.com/office/drawing/2014/main" id="{B05E31AC-F6DB-4CFD-BD68-1E646EDCD7D3}"/>
               </a:ext>
             </a:extLst>
           </p:cNvPr>
